--- a/presentations/slides-118-anima-update-brski-with-pledge-in-responder-mode-brski-prm.pptx
+++ b/presentations/slides-118-anima-update-brski-with-pledge-in-responder-mode-brski-prm.pptx
@@ -236,7 +236,7 @@
           <a:p>
             <a:fld id="{33B5B5E8-CA78-4A82-83A0-867EF5A818AE}" type="datetimeFigureOut">
               <a:rPr lang="en-US" smtClean="0"/>
-              <a:t>10/25/2023</a:t>
+              <a:t>11/2/2023</a:t>
             </a:fld>
             <a:endParaRPr lang="en-US"/>
           </a:p>
@@ -1304,7 +1304,7 @@
           <a:p>
             <a:fld id="{8C792E63-5F21-4F54-A864-D84D9F273FCA}" type="datetimeFigureOut">
               <a:rPr lang="en-US" smtClean="0"/>
-              <a:t>10/25/2023</a:t>
+              <a:t>11/2/2023</a:t>
             </a:fld>
             <a:endParaRPr lang="en-US" dirty="0"/>
           </a:p>
@@ -1522,7 +1522,7 @@
           <a:p>
             <a:fld id="{8C792E63-5F21-4F54-A864-D84D9F273FCA}" type="datetimeFigureOut">
               <a:rPr lang="en-US" smtClean="0"/>
-              <a:t>10/25/2023</a:t>
+              <a:t>11/2/2023</a:t>
             </a:fld>
             <a:endParaRPr lang="en-US"/>
           </a:p>
@@ -1746,7 +1746,7 @@
           <a:p>
             <a:fld id="{8C792E63-5F21-4F54-A864-D84D9F273FCA}" type="datetimeFigureOut">
               <a:rPr lang="en-US" smtClean="0"/>
-              <a:t>10/25/2023</a:t>
+              <a:t>11/2/2023</a:t>
             </a:fld>
             <a:endParaRPr lang="en-US"/>
           </a:p>
@@ -1960,7 +1960,7 @@
           <a:p>
             <a:fld id="{8C792E63-5F21-4F54-A864-D84D9F273FCA}" type="datetimeFigureOut">
               <a:rPr lang="en-US" smtClean="0"/>
-              <a:t>10/25/2023</a:t>
+              <a:t>11/2/2023</a:t>
             </a:fld>
             <a:endParaRPr lang="en-US"/>
           </a:p>
@@ -2251,7 +2251,7 @@
           <a:p>
             <a:fld id="{8C792E63-5F21-4F54-A864-D84D9F273FCA}" type="datetimeFigureOut">
               <a:rPr lang="en-US" smtClean="0"/>
-              <a:t>10/25/2023</a:t>
+              <a:t>11/2/2023</a:t>
             </a:fld>
             <a:endParaRPr lang="en-US"/>
           </a:p>
@@ -2532,7 +2532,7 @@
           <a:p>
             <a:fld id="{8C792E63-5F21-4F54-A864-D84D9F273FCA}" type="datetimeFigureOut">
               <a:rPr lang="en-US" smtClean="0"/>
-              <a:t>10/25/2023</a:t>
+              <a:t>11/2/2023</a:t>
             </a:fld>
             <a:endParaRPr lang="en-US"/>
           </a:p>
@@ -2960,7 +2960,7 @@
           <a:p>
             <a:fld id="{8C792E63-5F21-4F54-A864-D84D9F273FCA}" type="datetimeFigureOut">
               <a:rPr lang="en-US" smtClean="0"/>
-              <a:t>10/25/2023</a:t>
+              <a:t>11/2/2023</a:t>
             </a:fld>
             <a:endParaRPr lang="en-US"/>
           </a:p>
@@ -3117,7 +3117,7 @@
           <a:p>
             <a:fld id="{8C792E63-5F21-4F54-A864-D84D9F273FCA}" type="datetimeFigureOut">
               <a:rPr lang="en-US" smtClean="0"/>
-              <a:t>10/25/2023</a:t>
+              <a:t>11/2/2023</a:t>
             </a:fld>
             <a:endParaRPr lang="en-US"/>
           </a:p>
@@ -3246,7 +3246,7 @@
           <a:p>
             <a:fld id="{8C792E63-5F21-4F54-A864-D84D9F273FCA}" type="datetimeFigureOut">
               <a:rPr lang="en-US" smtClean="0"/>
-              <a:t>10/25/2023</a:t>
+              <a:t>11/2/2023</a:t>
             </a:fld>
             <a:endParaRPr lang="en-US"/>
           </a:p>
@@ -3573,7 +3573,7 @@
           <a:p>
             <a:fld id="{8C792E63-5F21-4F54-A864-D84D9F273FCA}" type="datetimeFigureOut">
               <a:rPr lang="en-US" smtClean="0"/>
-              <a:t>10/25/2023</a:t>
+              <a:t>11/2/2023</a:t>
             </a:fld>
             <a:endParaRPr lang="en-US"/>
           </a:p>
@@ -3877,7 +3877,7 @@
           <a:p>
             <a:fld id="{8C792E63-5F21-4F54-A864-D84D9F273FCA}" type="datetimeFigureOut">
               <a:rPr lang="en-US" smtClean="0"/>
-              <a:t>10/25/2023</a:t>
+              <a:t>11/2/2023</a:t>
             </a:fld>
             <a:endParaRPr lang="en-US"/>
           </a:p>
@@ -4169,7 +4169,7 @@
           <a:p>
             <a:fld id="{8C792E63-5F21-4F54-A864-D84D9F273FCA}" type="datetimeFigureOut">
               <a:rPr lang="en-US" smtClean="0"/>
-              <a:t>10/25/2023</a:t>
+              <a:t>11/2/2023</a:t>
             </a:fld>
             <a:endParaRPr lang="en-US"/>
           </a:p>
@@ -5144,7 +5144,7 @@
             <a:fld id="{8C792E63-5F21-4F54-A864-D84D9F273FCA}" type="datetimeFigureOut">
               <a:rPr lang="en-US" smtClean="0"/>
               <a:pPr/>
-              <a:t>10/25/2023</a:t>
+              <a:t>11/2/2023</a:t>
             </a:fld>
             <a:endParaRPr lang="en-US" dirty="0"/>
           </a:p>
@@ -5392,7 +5392,7 @@
               <a:rPr lang="en-US" sz="2400" dirty="0">
                 <a:sym typeface="Wingdings" panose="05000000000000000000" pitchFamily="2" charset="2"/>
               </a:rPr>
-              <a:t>Discovery between registrar-agent and registrar is not needed as registrar-agent and registrar have a trust relation and are assumed to exchange information like serial numbers of expected pledges to be discovered by the registrar-agent. </a:t>
+              <a:t>Discovery between registrar-agent and registrar is not needed (have trust relation and are assumed to exchange upfront information). </a:t>
             </a:r>
           </a:p>
           <a:p>
@@ -5411,7 +5411,7 @@
               <a:rPr lang="en-US" sz="2400" dirty="0">
                 <a:sym typeface="Wingdings" panose="05000000000000000000" pitchFamily="2" charset="2"/>
               </a:rPr>
-              <a:t>Current discovery in BRSKI does not consider registrars with enhanced feature sets like for BRSKI-PRM. This is handled in </a:t>
+              <a:t>Current discovery in BRSKI does not consider registrars with enhanced feature sets. This is handled in </a:t>
             </a:r>
             <a:r>
               <a:rPr lang="en-US" sz="2400" dirty="0">
@@ -5778,7 +5778,7 @@
             <a:fld id="{8C792E63-5F21-4F54-A864-D84D9F273FCA}" type="datetimeFigureOut">
               <a:rPr lang="en-US" smtClean="0"/>
               <a:pPr/>
-              <a:t>10/25/2023</a:t>
+              <a:t>11/2/2023</a:t>
             </a:fld>
             <a:endParaRPr lang="en-US" dirty="0"/>
           </a:p>
@@ -5917,7 +5917,7 @@
             </a:r>
             <a:r>
               <a:rPr lang="en-US" sz="2000" dirty="0"/>
-              <a:t>", to discover a specific pledge, e.g., when connected to a local network.</a:t>
+              <a:t>", to discover a specific pledge.</a:t>
             </a:r>
           </a:p>
           <a:p>
@@ -5990,7 +5990,7 @@
               <a:rPr lang="en-US" sz="2400" dirty="0">
                 <a:sym typeface="Wingdings" panose="05000000000000000000" pitchFamily="2" charset="2"/>
               </a:rPr>
-              <a:t>-discovery) describes more advanced discovery to not only contain the product serial number, but also further information like the manufacturer. </a:t>
+              <a:t>-discovery) describes more advanced approach to contain additional info (like manufacturer) to product serial number. </a:t>
             </a:r>
           </a:p>
           <a:p>
@@ -6034,39 +6034,29 @@
                 <a:ea typeface="Calibri" panose="020F0502020204030204" pitchFamily="34" charset="0"/>
                 <a:cs typeface="Arial" panose="020B0604020202020204" pitchFamily="34" charset="0"/>
               </a:rPr>
-              <a:t>by using manufacturer-specific product serial numbers only.  While this may result in false positives (every manufacturer has serial number 001 present), the registrar-agent can filter through the results, e.g., based on the related </a:t>
-            </a:r>
-            <a:r>
-              <a:rPr lang="en-US" sz="2400" kern="100" dirty="0" err="1">
-                <a:effectLst/>
-                <a:latin typeface="Calibri" panose="020F0502020204030204" pitchFamily="34" charset="0"/>
-                <a:ea typeface="Calibri" panose="020F0502020204030204" pitchFamily="34" charset="0"/>
-                <a:cs typeface="Arial" panose="020B0604020202020204" pitchFamily="34" charset="0"/>
-              </a:rPr>
+              <a:t>by using manufacturer-specific product serial numbers only.  </a:t>
+            </a:r>
+          </a:p>
+          <a:p>
+            <a:pPr lvl="1">
+              <a:buSzPct val="80000"/>
+            </a:pPr>
+            <a:r>
+              <a:rPr lang="en-US" sz="2000" dirty="0"/>
+              <a:t>While this may result in false positives (every manufacturer has serial number 001 present), the registrar-agent can filter through the results, e.g., based on the related </a:t>
+            </a:r>
+            <a:r>
+              <a:rPr lang="en-US" sz="2000" dirty="0" err="1"/>
               <a:t>IDevID</a:t>
             </a:r>
             <a:r>
-              <a:rPr lang="en-US" sz="2400" kern="100" dirty="0">
-                <a:effectLst/>
-                <a:latin typeface="Calibri" panose="020F0502020204030204" pitchFamily="34" charset="0"/>
-                <a:ea typeface="Calibri" panose="020F0502020204030204" pitchFamily="34" charset="0"/>
-                <a:cs typeface="Arial" panose="020B0604020202020204" pitchFamily="34" charset="0"/>
-              </a:rPr>
-              <a:t> CA certificate.</a:t>
-            </a:r>
-          </a:p>
-          <a:p>
-            <a:pPr>
-              <a:lnSpc>
-                <a:spcPct val="100000"/>
-              </a:lnSpc>
-              <a:spcBef>
-                <a:spcPts val="600"/>
-              </a:spcBef>
-              <a:buSzPct val="80000"/>
-              <a:buFont typeface="Calibri" panose="020F0502020204030204" pitchFamily="34" charset="0"/>
-              <a:buChar char="–"/>
-            </a:pPr>
+              <a:rPr lang="en-US" sz="2000" dirty="0"/>
+              <a:t> CA </a:t>
+            </a:r>
+            <a:r>
+              <a:rPr lang="en-US" sz="2000"/>
+              <a:t>certificate.</a:t>
+            </a:r>
             <a:endParaRPr lang="en-US" sz="2400" dirty="0">
               <a:sym typeface="Wingdings" panose="05000000000000000000" pitchFamily="2" charset="2"/>
             </a:endParaRPr>
@@ -6347,7 +6337,7 @@
             <a:fld id="{8C792E63-5F21-4F54-A864-D84D9F273FCA}" type="datetimeFigureOut">
               <a:rPr lang="en-US" smtClean="0"/>
               <a:pPr/>
-              <a:t>10/25/2023</a:t>
+              <a:t>11/2/2023</a:t>
             </a:fld>
             <a:endParaRPr lang="en-US" dirty="0"/>
           </a:p>
@@ -6872,7 +6862,7 @@
             <a:fld id="{8C792E63-5F21-4F54-A864-D84D9F273FCA}" type="datetimeFigureOut">
               <a:rPr lang="en-US" smtClean="0"/>
               <a:pPr/>
-              <a:t>10/25/2023</a:t>
+              <a:t>11/2/2023</a:t>
             </a:fld>
             <a:endParaRPr lang="en-US" dirty="0"/>
           </a:p>

--- a/presentations/slides-118-anima-update-brski-with-pledge-in-responder-mode-brski-prm.pptx
+++ b/presentations/slides-118-anima-update-brski-with-pledge-in-responder-mode-brski-prm.pptx
@@ -236,7 +236,7 @@
           <a:p>
             <a:fld id="{33B5B5E8-CA78-4A82-83A0-867EF5A818AE}" type="datetimeFigureOut">
               <a:rPr lang="en-US" smtClean="0"/>
-              <a:t>11/2/2023</a:t>
+              <a:t>11/3/2023</a:t>
             </a:fld>
             <a:endParaRPr lang="en-US"/>
           </a:p>
@@ -1304,7 +1304,7 @@
           <a:p>
             <a:fld id="{8C792E63-5F21-4F54-A864-D84D9F273FCA}" type="datetimeFigureOut">
               <a:rPr lang="en-US" smtClean="0"/>
-              <a:t>11/2/2023</a:t>
+              <a:t>11/3/2023</a:t>
             </a:fld>
             <a:endParaRPr lang="en-US" dirty="0"/>
           </a:p>
@@ -1522,7 +1522,7 @@
           <a:p>
             <a:fld id="{8C792E63-5F21-4F54-A864-D84D9F273FCA}" type="datetimeFigureOut">
               <a:rPr lang="en-US" smtClean="0"/>
-              <a:t>11/2/2023</a:t>
+              <a:t>11/3/2023</a:t>
             </a:fld>
             <a:endParaRPr lang="en-US"/>
           </a:p>
@@ -1746,7 +1746,7 @@
           <a:p>
             <a:fld id="{8C792E63-5F21-4F54-A864-D84D9F273FCA}" type="datetimeFigureOut">
               <a:rPr lang="en-US" smtClean="0"/>
-              <a:t>11/2/2023</a:t>
+              <a:t>11/3/2023</a:t>
             </a:fld>
             <a:endParaRPr lang="en-US"/>
           </a:p>
@@ -1960,7 +1960,7 @@
           <a:p>
             <a:fld id="{8C792E63-5F21-4F54-A864-D84D9F273FCA}" type="datetimeFigureOut">
               <a:rPr lang="en-US" smtClean="0"/>
-              <a:t>11/2/2023</a:t>
+              <a:t>11/3/2023</a:t>
             </a:fld>
             <a:endParaRPr lang="en-US"/>
           </a:p>
@@ -2251,7 +2251,7 @@
           <a:p>
             <a:fld id="{8C792E63-5F21-4F54-A864-D84D9F273FCA}" type="datetimeFigureOut">
               <a:rPr lang="en-US" smtClean="0"/>
-              <a:t>11/2/2023</a:t>
+              <a:t>11/3/2023</a:t>
             </a:fld>
             <a:endParaRPr lang="en-US"/>
           </a:p>
@@ -2532,7 +2532,7 @@
           <a:p>
             <a:fld id="{8C792E63-5F21-4F54-A864-D84D9F273FCA}" type="datetimeFigureOut">
               <a:rPr lang="en-US" smtClean="0"/>
-              <a:t>11/2/2023</a:t>
+              <a:t>11/3/2023</a:t>
             </a:fld>
             <a:endParaRPr lang="en-US"/>
           </a:p>
@@ -2960,7 +2960,7 @@
           <a:p>
             <a:fld id="{8C792E63-5F21-4F54-A864-D84D9F273FCA}" type="datetimeFigureOut">
               <a:rPr lang="en-US" smtClean="0"/>
-              <a:t>11/2/2023</a:t>
+              <a:t>11/3/2023</a:t>
             </a:fld>
             <a:endParaRPr lang="en-US"/>
           </a:p>
@@ -3117,7 +3117,7 @@
           <a:p>
             <a:fld id="{8C792E63-5F21-4F54-A864-D84D9F273FCA}" type="datetimeFigureOut">
               <a:rPr lang="en-US" smtClean="0"/>
-              <a:t>11/2/2023</a:t>
+              <a:t>11/3/2023</a:t>
             </a:fld>
             <a:endParaRPr lang="en-US"/>
           </a:p>
@@ -3246,7 +3246,7 @@
           <a:p>
             <a:fld id="{8C792E63-5F21-4F54-A864-D84D9F273FCA}" type="datetimeFigureOut">
               <a:rPr lang="en-US" smtClean="0"/>
-              <a:t>11/2/2023</a:t>
+              <a:t>11/3/2023</a:t>
             </a:fld>
             <a:endParaRPr lang="en-US"/>
           </a:p>
@@ -3573,7 +3573,7 @@
           <a:p>
             <a:fld id="{8C792E63-5F21-4F54-A864-D84D9F273FCA}" type="datetimeFigureOut">
               <a:rPr lang="en-US" smtClean="0"/>
-              <a:t>11/2/2023</a:t>
+              <a:t>11/3/2023</a:t>
             </a:fld>
             <a:endParaRPr lang="en-US"/>
           </a:p>
@@ -3877,7 +3877,7 @@
           <a:p>
             <a:fld id="{8C792E63-5F21-4F54-A864-D84D9F273FCA}" type="datetimeFigureOut">
               <a:rPr lang="en-US" smtClean="0"/>
-              <a:t>11/2/2023</a:t>
+              <a:t>11/3/2023</a:t>
             </a:fld>
             <a:endParaRPr lang="en-US"/>
           </a:p>
@@ -4169,7 +4169,7 @@
           <a:p>
             <a:fld id="{8C792E63-5F21-4F54-A864-D84D9F273FCA}" type="datetimeFigureOut">
               <a:rPr lang="en-US" smtClean="0"/>
-              <a:t>11/2/2023</a:t>
+              <a:t>11/3/2023</a:t>
             </a:fld>
             <a:endParaRPr lang="en-US"/>
           </a:p>
@@ -4806,8 +4806,8 @@
         </p:nvSpPr>
         <p:spPr>
           <a:xfrm>
-            <a:off x="838199" y="1946991"/>
-            <a:ext cx="10882745" cy="4542226"/>
+            <a:off x="687728" y="1946991"/>
+            <a:ext cx="11130024" cy="4542226"/>
           </a:xfrm>
         </p:spPr>
         <p:txBody>
@@ -4831,8 +4831,8 @@
               <a:buChar char="–"/>
             </a:pPr>
             <a:r>
-              <a:rPr lang="en-US" sz="2200" dirty="0"/>
-              <a:t>Addressed remaining issues from WGLC (03/2023) and additional from the design team. </a:t>
+              <a:rPr lang="en-US" sz="2400" dirty="0"/>
+              <a:t>Addressed remaining issues from WGLC (03/2023) and design team discussions. </a:t>
             </a:r>
           </a:p>
           <a:p>
@@ -4851,7 +4851,7 @@
               <a:buChar char="–"/>
             </a:pPr>
             <a:r>
-              <a:rPr lang="en-US" sz="2200" dirty="0"/>
+              <a:rPr lang="en-US" sz="2400" dirty="0"/>
               <a:t>Most issues related to clarifications of terminology and call flow descriptions </a:t>
             </a:r>
           </a:p>
@@ -4871,8 +4871,8 @@
               <a:buChar char="–"/>
             </a:pPr>
             <a:r>
-              <a:rPr lang="en-US" sz="2200" dirty="0"/>
-              <a:t>Technical issues clarified regarding </a:t>
+              <a:rPr lang="en-US" sz="2400" dirty="0"/>
+              <a:t>Technical issues clarified:</a:t>
             </a:r>
           </a:p>
           <a:p>
@@ -4891,22 +4891,22 @@
               <a:buChar char="–"/>
             </a:pPr>
             <a:r>
-              <a:rPr lang="en-US" sz="2200" kern="100" dirty="0">
+              <a:rPr lang="en-US" kern="100" dirty="0">
                 <a:ea typeface="Calibri" panose="020F0502020204030204" pitchFamily="34" charset="0"/>
                 <a:cs typeface="Arial" panose="020B0604020202020204" pitchFamily="34" charset="0"/>
               </a:rPr>
               <a:t>I</a:t>
             </a:r>
             <a:r>
-              <a:rPr lang="en-US" sz="2200" kern="100" dirty="0">
+              <a:rPr lang="en-US" kern="100" dirty="0">
                 <a:effectLst/>
                 <a:ea typeface="Calibri" panose="020F0502020204030204" pitchFamily="34" charset="0"/>
                 <a:cs typeface="Arial" panose="020B0604020202020204" pitchFamily="34" charset="0"/>
               </a:rPr>
-              <a:t>ncluded information about conflict resolution in </a:t>
-            </a:r>
-            <a:r>
-              <a:rPr lang="en-US" sz="2200" kern="100" dirty="0" err="1">
+              <a:t>ncluded conflict resolution in </a:t>
+            </a:r>
+            <a:r>
+              <a:rPr lang="en-US" kern="100" dirty="0" err="1">
                 <a:effectLst/>
                 <a:ea typeface="Calibri" panose="020F0502020204030204" pitchFamily="34" charset="0"/>
                 <a:cs typeface="Arial" panose="020B0604020202020204" pitchFamily="34" charset="0"/>
@@ -4914,7 +4914,7 @@
               <a:t>mDNS</a:t>
             </a:r>
             <a:r>
-              <a:rPr lang="en-US" sz="2200" kern="100" dirty="0">
+              <a:rPr lang="en-US" kern="100" dirty="0">
                 <a:effectLst/>
                 <a:ea typeface="Calibri" panose="020F0502020204030204" pitchFamily="34" charset="0"/>
                 <a:cs typeface="Arial" panose="020B0604020202020204" pitchFamily="34" charset="0"/>
@@ -4938,8 +4938,8 @@
               <a:buChar char="–"/>
             </a:pPr>
             <a:r>
-              <a:rPr lang="en-US" sz="2200" dirty="0"/>
-              <a:t>Host header processing on pledge site (issue #120, Section 5.2)</a:t>
+              <a:rPr lang="en-US" dirty="0"/>
+              <a:t>Enhanced host header processing on pledge site (issue #120, Section 5.2)</a:t>
             </a:r>
           </a:p>
           <a:p>
@@ -4958,8 +4958,8 @@
               <a:buChar char="–"/>
             </a:pPr>
             <a:r>
-              <a:rPr lang="en-US" sz="2200" dirty="0"/>
-              <a:t>Availability of serial number information on domain registrar for pledge authorization (issue #122, Section 6.1)</a:t>
+              <a:rPr lang="en-US" dirty="0"/>
+              <a:t>Clarified availability of serial number information on domain registrar for pledge authorization (issue #122, Section 6.1)</a:t>
             </a:r>
           </a:p>
           <a:p>
@@ -4978,7 +4978,7 @@
               <a:buChar char="–"/>
             </a:pPr>
             <a:r>
-              <a:rPr lang="en-US" sz="2200" kern="100" dirty="0">
+              <a:rPr lang="en-US" kern="100" dirty="0">
                 <a:ea typeface="Calibri" panose="020F0502020204030204" pitchFamily="34" charset="0"/>
                 <a:cs typeface="Arial" panose="020B0604020202020204" pitchFamily="34" charset="0"/>
               </a:rPr>
@@ -5001,8 +5001,8 @@
               <a:buChar char="–"/>
             </a:pPr>
             <a:r>
-              <a:rPr lang="en-US" sz="2200" dirty="0"/>
-              <a:t>Removed strength comparison between voucher assertions (issue #125, Section 5.1 + 6)</a:t>
+              <a:rPr lang="en-US" dirty="0"/>
+              <a:t>Removed strength comparison for voucher assertions (issue #125, Section 5.1 + 6)</a:t>
             </a:r>
           </a:p>
           <a:p>
@@ -5144,7 +5144,7 @@
             <a:fld id="{8C792E63-5F21-4F54-A864-D84D9F273FCA}" type="datetimeFigureOut">
               <a:rPr lang="en-US" smtClean="0"/>
               <a:pPr/>
-              <a:t>11/2/2023</a:t>
+              <a:t>11/3/2023</a:t>
             </a:fld>
             <a:endParaRPr lang="en-US" dirty="0"/>
           </a:p>
@@ -5367,8 +5367,8 @@
         </p:nvSpPr>
         <p:spPr>
           <a:xfrm>
-            <a:off x="838199" y="1739467"/>
-            <a:ext cx="10695039" cy="4530725"/>
+            <a:off x="838199" y="1956122"/>
+            <a:ext cx="10695039" cy="4314070"/>
           </a:xfrm>
         </p:spPr>
         <p:txBody>
@@ -5392,7 +5392,7 @@
               <a:rPr lang="en-US" sz="2400" dirty="0">
                 <a:sym typeface="Wingdings" panose="05000000000000000000" pitchFamily="2" charset="2"/>
               </a:rPr>
-              <a:t>Discovery between registrar-agent and registrar is not needed (have trust relation and are assumed to exchange upfront information). </a:t>
+              <a:t>Discovery of  registrar by and registrar-agent is not needed (have trust relation and are assumed to exchange upfront information). </a:t>
             </a:r>
           </a:p>
           <a:p>
@@ -5411,7 +5411,7 @@
               <a:rPr lang="en-US" sz="2400" dirty="0">
                 <a:sym typeface="Wingdings" panose="05000000000000000000" pitchFamily="2" charset="2"/>
               </a:rPr>
-              <a:t>Current discovery in BRSKI does not consider registrars with enhanced feature sets. This is handled in </a:t>
+              <a:t>Current discovery in BRSKI does not consider registrars with enhanced feature sets. This is handled in ID </a:t>
             </a:r>
             <a:r>
               <a:rPr lang="en-US" sz="2400" dirty="0">
@@ -5424,31 +5424,7 @@
               <a:rPr lang="en-US" sz="2400" dirty="0">
                 <a:sym typeface="Wingdings" panose="05000000000000000000" pitchFamily="2" charset="2"/>
               </a:rPr>
-              <a:t> (ID. draft-</a:t>
-            </a:r>
-            <a:r>
-              <a:rPr lang="en-US" sz="2400" dirty="0" err="1">
-                <a:sym typeface="Wingdings" panose="05000000000000000000" pitchFamily="2" charset="2"/>
-              </a:rPr>
-              <a:t>eckert</a:t>
-            </a:r>
-            <a:r>
-              <a:rPr lang="en-US" sz="2400" dirty="0">
-                <a:sym typeface="Wingdings" panose="05000000000000000000" pitchFamily="2" charset="2"/>
-              </a:rPr>
-              <a:t>-anima-</a:t>
-            </a:r>
-            <a:r>
-              <a:rPr lang="en-US" sz="2400" dirty="0" err="1">
-                <a:sym typeface="Wingdings" panose="05000000000000000000" pitchFamily="2" charset="2"/>
-              </a:rPr>
-              <a:t>brski</a:t>
-            </a:r>
-            <a:r>
-              <a:rPr lang="en-US" sz="2400" dirty="0">
-                <a:sym typeface="Wingdings" panose="05000000000000000000" pitchFamily="2" charset="2"/>
-              </a:rPr>
-              <a:t>-discovery). </a:t>
+              <a:t>. </a:t>
             </a:r>
           </a:p>
           <a:p>
@@ -5487,7 +5463,7 @@
             </a:r>
           </a:p>
           <a:p>
-            <a:pPr>
+            <a:pPr marL="0" indent="0">
               <a:lnSpc>
                 <a:spcPct val="100000"/>
               </a:lnSpc>
@@ -5495,26 +5471,9 @@
                 <a:spcPts val="600"/>
               </a:spcBef>
               <a:buSzPct val="80000"/>
-              <a:buFont typeface="Calibri" panose="020F0502020204030204" pitchFamily="34" charset="0"/>
-              <a:buChar char="–"/>
+              <a:buNone/>
             </a:pPr>
-            <a:endParaRPr lang="en-US" sz="2400" dirty="0">
-              <a:sym typeface="Wingdings" panose="05000000000000000000" pitchFamily="2" charset="2"/>
-            </a:endParaRPr>
-          </a:p>
-          <a:p>
-            <a:pPr>
-              <a:lnSpc>
-                <a:spcPct val="100000"/>
-              </a:lnSpc>
-              <a:spcBef>
-                <a:spcPts val="600"/>
-              </a:spcBef>
-              <a:buSzPct val="80000"/>
-              <a:buFont typeface="Calibri" panose="020F0502020204030204" pitchFamily="34" charset="0"/>
-              <a:buChar char="–"/>
-            </a:pPr>
-            <a:endParaRPr lang="en-US" sz="2400" dirty="0">
+            <a:endParaRPr lang="en-US" sz="2000" dirty="0">
               <a:sym typeface="Wingdings" panose="05000000000000000000" pitchFamily="2" charset="2"/>
             </a:endParaRPr>
           </a:p>
@@ -5778,7 +5737,7 @@
             <a:fld id="{8C792E63-5F21-4F54-A864-D84D9F273FCA}" type="datetimeFigureOut">
               <a:rPr lang="en-US" smtClean="0"/>
               <a:pPr/>
-              <a:t>11/2/2023</a:t>
+              <a:t>11/3/2023</a:t>
             </a:fld>
             <a:endParaRPr lang="en-US" dirty="0"/>
           </a:p>
@@ -5869,8 +5828,8 @@
         </p:nvSpPr>
         <p:spPr>
           <a:xfrm>
-            <a:off x="838199" y="1739467"/>
-            <a:ext cx="10695039" cy="4530725"/>
+            <a:off x="838199" y="1909823"/>
+            <a:ext cx="10695039" cy="4360369"/>
           </a:xfrm>
         </p:spPr>
         <p:txBody>
@@ -5894,52 +5853,52 @@
               <a:rPr lang="en-US" sz="2400" dirty="0">
                 <a:sym typeface="Wingdings" panose="05000000000000000000" pitchFamily="2" charset="2"/>
               </a:rPr>
-              <a:t>Discovery of pledges by a registrar-agent is described in two ways:</a:t>
+              <a:t>Discovery of pledges by a registrar-agent described in two ways:</a:t>
             </a:r>
           </a:p>
           <a:p>
             <a:pPr lvl="1"/>
             <a:r>
-              <a:rPr lang="en-US" sz="2000" dirty="0"/>
+              <a:rPr lang="en-US" dirty="0"/>
               <a:t>"product-serial-number._</a:t>
             </a:r>
             <a:r>
-              <a:rPr lang="en-US" sz="2000" dirty="0" err="1"/>
+              <a:rPr lang="en-US" dirty="0" err="1"/>
               <a:t>brski</a:t>
             </a:r>
             <a:r>
-              <a:rPr lang="en-US" sz="2000" dirty="0"/>
+              <a:rPr lang="en-US" dirty="0"/>
               <a:t>-pledge._</a:t>
             </a:r>
             <a:r>
-              <a:rPr lang="en-US" sz="2000" dirty="0" err="1"/>
+              <a:rPr lang="en-US" dirty="0" err="1"/>
               <a:t>tcp.local</a:t>
             </a:r>
             <a:r>
-              <a:rPr lang="en-US" sz="2000" dirty="0"/>
+              <a:rPr lang="en-US" dirty="0"/>
               <a:t>", to discover a specific pledge.</a:t>
             </a:r>
           </a:p>
           <a:p>
             <a:pPr lvl="1"/>
             <a:r>
-              <a:rPr lang="en-US" sz="2000" dirty="0"/>
+              <a:rPr lang="en-US" dirty="0"/>
               <a:t>"_</a:t>
             </a:r>
             <a:r>
-              <a:rPr lang="en-US" sz="2000" dirty="0" err="1"/>
+              <a:rPr lang="en-US" dirty="0" err="1"/>
               <a:t>brski</a:t>
             </a:r>
             <a:r>
-              <a:rPr lang="en-US" sz="2000" dirty="0"/>
+              <a:rPr lang="en-US" dirty="0"/>
               <a:t>-pledge._</a:t>
             </a:r>
             <a:r>
-              <a:rPr lang="en-US" sz="2000" dirty="0" err="1"/>
+              <a:rPr lang="en-US" dirty="0" err="1"/>
               <a:t>tcp.local</a:t>
             </a:r>
             <a:r>
-              <a:rPr lang="en-US" sz="2000" dirty="0"/>
+              <a:rPr lang="en-US" dirty="0"/>
               <a:t>" to discover available pledges to be bootstrapped.</a:t>
             </a:r>
           </a:p>
@@ -5958,6 +5917,12 @@
             <a:r>
               <a:rPr lang="en-US" sz="2400" dirty="0">
                 <a:sym typeface="Wingdings" panose="05000000000000000000" pitchFamily="2" charset="2"/>
+              </a:rPr>
+              <a:t>ID </a:t>
+            </a:r>
+            <a:r>
+              <a:rPr lang="en-US" sz="2400" dirty="0">
+                <a:sym typeface="Wingdings" panose="05000000000000000000" pitchFamily="2" charset="2"/>
                 <a:hlinkClick r:id="rId3"/>
               </a:rPr>
               <a:t>BRSKI-Discovery</a:t>
@@ -5966,31 +5931,7 @@
               <a:rPr lang="en-US" sz="2400" dirty="0">
                 <a:sym typeface="Wingdings" panose="05000000000000000000" pitchFamily="2" charset="2"/>
               </a:rPr>
-              <a:t> (ID. draft-</a:t>
-            </a:r>
-            <a:r>
-              <a:rPr lang="en-US" sz="2400" dirty="0" err="1">
-                <a:sym typeface="Wingdings" panose="05000000000000000000" pitchFamily="2" charset="2"/>
-              </a:rPr>
-              <a:t>eckert</a:t>
-            </a:r>
-            <a:r>
-              <a:rPr lang="en-US" sz="2400" dirty="0">
-                <a:sym typeface="Wingdings" panose="05000000000000000000" pitchFamily="2" charset="2"/>
-              </a:rPr>
-              <a:t>-anima-</a:t>
-            </a:r>
-            <a:r>
-              <a:rPr lang="en-US" sz="2400" dirty="0" err="1">
-                <a:sym typeface="Wingdings" panose="05000000000000000000" pitchFamily="2" charset="2"/>
-              </a:rPr>
-              <a:t>brski</a:t>
-            </a:r>
-            <a:r>
-              <a:rPr lang="en-US" sz="2400" dirty="0">
-                <a:sym typeface="Wingdings" panose="05000000000000000000" pitchFamily="2" charset="2"/>
-              </a:rPr>
-              <a:t>-discovery) describes more advanced approach to contain additional info (like manufacturer) to product serial number. </a:t>
+              <a:t> describes more versatile approach to contain additional info (like manufacturer) to product serial number. </a:t>
             </a:r>
           </a:p>
           <a:p>
@@ -6042,38 +5983,18 @@
               <a:buSzPct val="80000"/>
             </a:pPr>
             <a:r>
-              <a:rPr lang="en-US" sz="2000" dirty="0"/>
-              <a:t>While this may result in false positives (every manufacturer has serial number 001 present), the registrar-agent can filter through the results, e.g., based on the related </a:t>
-            </a:r>
-            <a:r>
-              <a:rPr lang="en-US" sz="2000" dirty="0" err="1"/>
+              <a:rPr lang="en-US" dirty="0"/>
+              <a:t>Note: May result in false positives (every manufacturer has serial number 001), the registrar-agent can filter through the results, e.g., based on the related </a:t>
+            </a:r>
+            <a:r>
+              <a:rPr lang="en-US" dirty="0" err="1"/>
               <a:t>IDevID</a:t>
             </a:r>
             <a:r>
-              <a:rPr lang="en-US" sz="2000" dirty="0"/>
-              <a:t> CA </a:t>
-            </a:r>
-            <a:r>
-              <a:rPr lang="en-US" sz="2000"/>
-              <a:t>certificate.</a:t>
-            </a:r>
-            <a:endParaRPr lang="en-US" sz="2400" dirty="0">
-              <a:sym typeface="Wingdings" panose="05000000000000000000" pitchFamily="2" charset="2"/>
-            </a:endParaRPr>
-          </a:p>
-          <a:p>
-            <a:pPr>
-              <a:lnSpc>
-                <a:spcPct val="100000"/>
-              </a:lnSpc>
-              <a:spcBef>
-                <a:spcPts val="600"/>
-              </a:spcBef>
-              <a:buSzPct val="80000"/>
-              <a:buFont typeface="Calibri" panose="020F0502020204030204" pitchFamily="34" charset="0"/>
-              <a:buChar char="–"/>
-            </a:pPr>
-            <a:endParaRPr lang="en-US" sz="2400" dirty="0">
+              <a:rPr lang="en-US" dirty="0"/>
+              <a:t> CA certificate.</a:t>
+            </a:r>
+            <a:endParaRPr lang="en-US" dirty="0">
               <a:sym typeface="Wingdings" panose="05000000000000000000" pitchFamily="2" charset="2"/>
             </a:endParaRPr>
           </a:p>
@@ -6337,7 +6258,7 @@
             <a:fld id="{8C792E63-5F21-4F54-A864-D84D9F273FCA}" type="datetimeFigureOut">
               <a:rPr lang="en-US" smtClean="0"/>
               <a:pPr/>
-              <a:t>11/2/2023</a:t>
+              <a:t>11/3/2023</a:t>
             </a:fld>
             <a:endParaRPr lang="en-US" dirty="0"/>
           </a:p>
@@ -6450,17 +6371,17 @@
               <a:buChar char="–"/>
             </a:pPr>
             <a:r>
-              <a:rPr lang="en-US" sz="2200" dirty="0"/>
+              <a:rPr lang="en-US" sz="2400" dirty="0"/>
               <a:t>Finalize open issues #79 and #130 (see </a:t>
             </a:r>
             <a:r>
-              <a:rPr lang="en-US" sz="2200" dirty="0">
+              <a:rPr lang="en-US" sz="2400" dirty="0">
                 <a:hlinkClick r:id="rId3"/>
               </a:rPr>
               <a:t>ANIMA git</a:t>
             </a:r>
             <a:r>
-              <a:rPr lang="en-US" sz="2200" dirty="0"/>
+              <a:rPr lang="en-US" sz="2400" dirty="0"/>
               <a:t>) </a:t>
             </a:r>
           </a:p>
@@ -6476,7 +6397,7 @@
               <a:buFont typeface="Calibri" panose="020F0502020204030204" pitchFamily="34" charset="0"/>
               <a:buChar char="–"/>
             </a:pPr>
-            <a:endParaRPr lang="en-US" sz="2200" dirty="0"/>
+            <a:endParaRPr lang="en-US" sz="2400" dirty="0"/>
           </a:p>
           <a:p>
             <a:pPr>
@@ -6491,7 +6412,7 @@
               <a:buChar char="–"/>
             </a:pPr>
             <a:r>
-              <a:rPr lang="en-US" sz="2200" dirty="0"/>
+              <a:rPr lang="en-US" sz="2400" dirty="0"/>
               <a:t>IOT DIR early review done </a:t>
             </a:r>
           </a:p>
@@ -6508,7 +6429,7 @@
               <a:buChar char="–"/>
             </a:pPr>
             <a:r>
-              <a:rPr lang="en-US" sz="2200" dirty="0"/>
+              <a:rPr lang="en-US" sz="2400" dirty="0"/>
               <a:t>SECDIR early review to be updated</a:t>
             </a:r>
           </a:p>
@@ -6525,7 +6446,7 @@
               <a:buChar char="–"/>
             </a:pPr>
             <a:r>
-              <a:rPr lang="en-US" sz="2200" dirty="0"/>
+              <a:rPr lang="en-US" sz="2400" dirty="0"/>
               <a:t>Shepherd writeup</a:t>
             </a:r>
           </a:p>
@@ -6542,7 +6463,7 @@
               <a:buChar char="–"/>
             </a:pPr>
             <a:r>
-              <a:rPr lang="en-US" sz="2200" dirty="0"/>
+              <a:rPr lang="en-US" sz="2400" dirty="0"/>
               <a:t>Ready for AD review </a:t>
             </a:r>
           </a:p>
@@ -6552,7 +6473,7 @@
                 <a:spcPct val="100000"/>
               </a:lnSpc>
             </a:pPr>
-            <a:endParaRPr lang="en-US" sz="2200" dirty="0"/>
+            <a:endParaRPr lang="en-US" sz="2400" dirty="0"/>
           </a:p>
           <a:p>
             <a:pPr>
@@ -6567,22 +6488,22 @@
               <a:buChar char="–"/>
             </a:pPr>
             <a:r>
-              <a:rPr lang="en-US" sz="2200" dirty="0"/>
+              <a:rPr lang="en-US" sz="2400" dirty="0"/>
               <a:t>Interop testing with others welcome </a:t>
             </a:r>
             <a:r>
-              <a:rPr lang="en-US" sz="2200" dirty="0">
+              <a:rPr lang="en-US" sz="2400" dirty="0">
                 <a:sym typeface="Wingdings" panose="05000000000000000000" pitchFamily="2" charset="2"/>
               </a:rPr>
               <a:t>,</a:t>
             </a:r>
             <a:br>
-              <a:rPr lang="en-US" sz="2200" dirty="0">
+              <a:rPr lang="en-US" sz="2400" dirty="0">
                 <a:sym typeface="Wingdings" panose="05000000000000000000" pitchFamily="2" charset="2"/>
               </a:rPr>
             </a:br>
             <a:r>
-              <a:rPr lang="en-US" sz="2200" dirty="0">
+              <a:rPr lang="en-US" sz="2400" dirty="0">
                 <a:sym typeface="Wingdings" panose="05000000000000000000" pitchFamily="2" charset="2"/>
               </a:rPr>
               <a:t>PoC implementations of all components available, please get in touch</a:t>
@@ -6600,7 +6521,7 @@
               <a:buFont typeface="Calibri" panose="020F0502020204030204" pitchFamily="34" charset="0"/>
               <a:buChar char="–"/>
             </a:pPr>
-            <a:endParaRPr lang="en-US" sz="2200" dirty="0"/>
+            <a:endParaRPr lang="en-US" sz="2400" dirty="0"/>
           </a:p>
         </p:txBody>
       </p:sp>
@@ -6862,7 +6783,7 @@
             <a:fld id="{8C792E63-5F21-4F54-A864-D84D9F273FCA}" type="datetimeFigureOut">
               <a:rPr lang="en-US" smtClean="0"/>
               <a:pPr/>
-              <a:t>11/2/2023</a:t>
+              <a:t>11/3/2023</a:t>
             </a:fld>
             <a:endParaRPr lang="en-US" dirty="0"/>
           </a:p>

--- a/presentations/slides-118-anima-update-brski-with-pledge-in-responder-mode-brski-prm.pptx
+++ b/presentations/slides-118-anima-update-brski-with-pledge-in-responder-mode-brski-prm.pptx
@@ -5859,47 +5859,47 @@
           <a:p>
             <a:pPr lvl="1"/>
             <a:r>
-              <a:rPr lang="en-US" dirty="0"/>
+              <a:rPr lang="en-US" sz="2000" dirty="0"/>
               <a:t>"product-serial-number._</a:t>
             </a:r>
             <a:r>
-              <a:rPr lang="en-US" dirty="0" err="1"/>
+              <a:rPr lang="en-US" sz="2000" dirty="0" err="1"/>
               <a:t>brski</a:t>
             </a:r>
             <a:r>
-              <a:rPr lang="en-US" dirty="0"/>
+              <a:rPr lang="en-US" sz="2000" dirty="0"/>
               <a:t>-pledge._</a:t>
             </a:r>
             <a:r>
-              <a:rPr lang="en-US" dirty="0" err="1"/>
+              <a:rPr lang="en-US" sz="2000" dirty="0" err="1"/>
               <a:t>tcp.local</a:t>
             </a:r>
             <a:r>
-              <a:rPr lang="en-US" dirty="0"/>
+              <a:rPr lang="en-US" sz="2000" dirty="0"/>
               <a:t>", to discover a specific pledge.</a:t>
             </a:r>
           </a:p>
           <a:p>
             <a:pPr lvl="1"/>
             <a:r>
-              <a:rPr lang="en-US" dirty="0"/>
+              <a:rPr lang="en-US" sz="2000" dirty="0"/>
               <a:t>"_</a:t>
             </a:r>
             <a:r>
-              <a:rPr lang="en-US" dirty="0" err="1"/>
+              <a:rPr lang="en-US" sz="2000" dirty="0" err="1"/>
               <a:t>brski</a:t>
             </a:r>
             <a:r>
-              <a:rPr lang="en-US" dirty="0"/>
+              <a:rPr lang="en-US" sz="2000" dirty="0"/>
               <a:t>-pledge._</a:t>
             </a:r>
             <a:r>
-              <a:rPr lang="en-US" dirty="0" err="1"/>
+              <a:rPr lang="en-US" sz="2000" dirty="0" err="1"/>
               <a:t>tcp.local</a:t>
             </a:r>
             <a:r>
-              <a:rPr lang="en-US" dirty="0"/>
-              <a:t>" to discover available pledges to be bootstrapped.</a:t>
+              <a:rPr lang="en-US" sz="2000" dirty="0"/>
+              <a:t>" to discover available pledges for bootstrapping.</a:t>
             </a:r>
           </a:p>
           <a:p>
@@ -5980,21 +5980,21 @@
           </a:p>
           <a:p>
             <a:pPr lvl="1">
-              <a:buSzPct val="80000"/>
+              <a:buSzPct val="100000"/>
             </a:pPr>
             <a:r>
-              <a:rPr lang="en-US" dirty="0"/>
+              <a:rPr lang="en-US" sz="2000" dirty="0"/>
               <a:t>Note: May result in false positives (every manufacturer has serial number 001), the registrar-agent can filter through the results, e.g., based on the related </a:t>
             </a:r>
             <a:r>
-              <a:rPr lang="en-US" dirty="0" err="1"/>
+              <a:rPr lang="en-US" sz="2000" dirty="0" err="1"/>
               <a:t>IDevID</a:t>
             </a:r>
             <a:r>
-              <a:rPr lang="en-US" dirty="0"/>
+              <a:rPr lang="en-US" sz="2000" dirty="0"/>
               <a:t> CA certificate.</a:t>
             </a:r>
-            <a:endParaRPr lang="en-US" dirty="0">
+            <a:endParaRPr lang="en-US" sz="2000" dirty="0">
               <a:sym typeface="Wingdings" panose="05000000000000000000" pitchFamily="2" charset="2"/>
             </a:endParaRPr>
           </a:p>
@@ -6412,7 +6412,36 @@
               <a:buChar char="–"/>
             </a:pPr>
             <a:r>
-              <a:rPr lang="en-US" sz="2400" dirty="0"/>
+              <a:rPr lang="en-US" sz="2400" dirty="0">
+                <a:solidFill>
+                  <a:schemeClr val="bg1">
+                    <a:lumMod val="50000"/>
+                  </a:schemeClr>
+                </a:solidFill>
+              </a:rPr>
+              <a:t>WGLC done before IETF 116</a:t>
+            </a:r>
+          </a:p>
+          <a:p>
+            <a:pPr>
+              <a:lnSpc>
+                <a:spcPct val="100000"/>
+              </a:lnSpc>
+              <a:spcBef>
+                <a:spcPts val="600"/>
+              </a:spcBef>
+              <a:buSzPct val="80000"/>
+              <a:buFont typeface="Calibri" panose="020F0502020204030204" pitchFamily="34" charset="0"/>
+              <a:buChar char="–"/>
+            </a:pPr>
+            <a:r>
+              <a:rPr lang="en-US" sz="2400" dirty="0">
+                <a:solidFill>
+                  <a:schemeClr val="bg1">
+                    <a:lumMod val="50000"/>
+                  </a:schemeClr>
+                </a:solidFill>
+              </a:rPr>
               <a:t>IOT DIR early review done </a:t>
             </a:r>
           </a:p>

--- a/presentations/slides-118-anima-update-brski-with-pledge-in-responder-mode-brski-prm.pptx
+++ b/presentations/slides-118-anima-update-brski-with-pledge-in-responder-mode-brski-prm.pptx
@@ -4939,7 +4939,7 @@
             </a:pPr>
             <a:r>
               <a:rPr lang="en-US" dirty="0"/>
-              <a:t>Enhanced host header processing on pledge site (issue #120, Section 5.2)</a:t>
+              <a:t>Enhanced host header processing on pledge side (issue #120, Section 5.2)</a:t>
             </a:r>
           </a:p>
           <a:p>
@@ -5392,7 +5392,7 @@
               <a:rPr lang="en-US" sz="2400" dirty="0">
                 <a:sym typeface="Wingdings" panose="05000000000000000000" pitchFamily="2" charset="2"/>
               </a:rPr>
-              <a:t>Discovery of  registrar by and registrar-agent is not needed (have trust relation and are assumed to exchange upfront information). </a:t>
+              <a:t>Discovery of  registrar by and registrar-agent is not needed (have a trust relation and are assumed to exchange upfront information). </a:t>
             </a:r>
           </a:p>
           <a:p>
@@ -5459,7 +5459,7 @@
               <a:rPr lang="en-US" sz="2400" dirty="0">
                 <a:sym typeface="Wingdings" panose="05000000000000000000" pitchFamily="2" charset="2"/>
               </a:rPr>
-              <a:t>Proposal to keep simple assumption in BRSKI-PRM and refer to BRSKI-Discovery for cases, in which the enhanced discovery of a registrar by a registrar-agent is described (considering, e.g., the mode of operation or voucher formats, or others)</a:t>
+              <a:t>Proposal to keep simple assumption in BRSKI-PRM and refer to BRSKI-Discovery for cases, in which the enhanced discovery of a registrar by a registrar-agent is described (considering, e.g., the mode of operation or voucher formats)</a:t>
             </a:r>
           </a:p>
           <a:p>
@@ -5931,7 +5931,7 @@
               <a:rPr lang="en-US" sz="2400" dirty="0">
                 <a:sym typeface="Wingdings" panose="05000000000000000000" pitchFamily="2" charset="2"/>
               </a:rPr>
-              <a:t> describes more versatile approach to contain additional info (like manufacturer) to product serial number. </a:t>
+              <a:t> describes more versatile approach to contain additional info (e.g., manufacturer) to product serial number. </a:t>
             </a:r>
           </a:p>
           <a:p>
@@ -5984,7 +5984,15 @@
             </a:pPr>
             <a:r>
               <a:rPr lang="en-US" sz="2000" dirty="0"/>
-              <a:t>Note: May result in false positives (every manufacturer has serial number 001), the registrar-agent can filter through the results, e.g., based on the related </a:t>
+              <a:t>Note: May result in false positives (many manufacturer likely </a:t>
+            </a:r>
+            <a:r>
+              <a:rPr lang="en-US" sz="2000"/>
+              <a:t>have serial </a:t>
+            </a:r>
+            <a:r>
+              <a:rPr lang="en-US" sz="2000" dirty="0"/>
+              <a:t>number 001), the registrar-agent can filter through the results, e.g., based on the related </a:t>
             </a:r>
             <a:r>
               <a:rPr lang="en-US" sz="2000" dirty="0" err="1"/>

--- a/presentations/slides-118-anima-update-brski-with-pledge-in-responder-mode-brski-prm.pptx
+++ b/presentations/slides-118-anima-update-brski-with-pledge-in-responder-mode-brski-prm.pptx
@@ -236,7 +236,7 @@
           <a:p>
             <a:fld id="{33B5B5E8-CA78-4A82-83A0-867EF5A818AE}" type="datetimeFigureOut">
               <a:rPr lang="en-US" smtClean="0"/>
-              <a:t>11/3/2023</a:t>
+              <a:t>11/7/2023</a:t>
             </a:fld>
             <a:endParaRPr lang="en-US"/>
           </a:p>
@@ -1304,7 +1304,7 @@
           <a:p>
             <a:fld id="{8C792E63-5F21-4F54-A864-D84D9F273FCA}" type="datetimeFigureOut">
               <a:rPr lang="en-US" smtClean="0"/>
-              <a:t>11/3/2023</a:t>
+              <a:t>11/7/2023</a:t>
             </a:fld>
             <a:endParaRPr lang="en-US" dirty="0"/>
           </a:p>
@@ -1522,7 +1522,7 @@
           <a:p>
             <a:fld id="{8C792E63-5F21-4F54-A864-D84D9F273FCA}" type="datetimeFigureOut">
               <a:rPr lang="en-US" smtClean="0"/>
-              <a:t>11/3/2023</a:t>
+              <a:t>11/7/2023</a:t>
             </a:fld>
             <a:endParaRPr lang="en-US"/>
           </a:p>
@@ -1746,7 +1746,7 @@
           <a:p>
             <a:fld id="{8C792E63-5F21-4F54-A864-D84D9F273FCA}" type="datetimeFigureOut">
               <a:rPr lang="en-US" smtClean="0"/>
-              <a:t>11/3/2023</a:t>
+              <a:t>11/7/2023</a:t>
             </a:fld>
             <a:endParaRPr lang="en-US"/>
           </a:p>
@@ -1960,7 +1960,7 @@
           <a:p>
             <a:fld id="{8C792E63-5F21-4F54-A864-D84D9F273FCA}" type="datetimeFigureOut">
               <a:rPr lang="en-US" smtClean="0"/>
-              <a:t>11/3/2023</a:t>
+              <a:t>11/7/2023</a:t>
             </a:fld>
             <a:endParaRPr lang="en-US"/>
           </a:p>
@@ -2251,7 +2251,7 @@
           <a:p>
             <a:fld id="{8C792E63-5F21-4F54-A864-D84D9F273FCA}" type="datetimeFigureOut">
               <a:rPr lang="en-US" smtClean="0"/>
-              <a:t>11/3/2023</a:t>
+              <a:t>11/7/2023</a:t>
             </a:fld>
             <a:endParaRPr lang="en-US"/>
           </a:p>
@@ -2532,7 +2532,7 @@
           <a:p>
             <a:fld id="{8C792E63-5F21-4F54-A864-D84D9F273FCA}" type="datetimeFigureOut">
               <a:rPr lang="en-US" smtClean="0"/>
-              <a:t>11/3/2023</a:t>
+              <a:t>11/7/2023</a:t>
             </a:fld>
             <a:endParaRPr lang="en-US"/>
           </a:p>
@@ -2960,7 +2960,7 @@
           <a:p>
             <a:fld id="{8C792E63-5F21-4F54-A864-D84D9F273FCA}" type="datetimeFigureOut">
               <a:rPr lang="en-US" smtClean="0"/>
-              <a:t>11/3/2023</a:t>
+              <a:t>11/7/2023</a:t>
             </a:fld>
             <a:endParaRPr lang="en-US"/>
           </a:p>
@@ -3117,7 +3117,7 @@
           <a:p>
             <a:fld id="{8C792E63-5F21-4F54-A864-D84D9F273FCA}" type="datetimeFigureOut">
               <a:rPr lang="en-US" smtClean="0"/>
-              <a:t>11/3/2023</a:t>
+              <a:t>11/7/2023</a:t>
             </a:fld>
             <a:endParaRPr lang="en-US"/>
           </a:p>
@@ -3246,7 +3246,7 @@
           <a:p>
             <a:fld id="{8C792E63-5F21-4F54-A864-D84D9F273FCA}" type="datetimeFigureOut">
               <a:rPr lang="en-US" smtClean="0"/>
-              <a:t>11/3/2023</a:t>
+              <a:t>11/7/2023</a:t>
             </a:fld>
             <a:endParaRPr lang="en-US"/>
           </a:p>
@@ -3573,7 +3573,7 @@
           <a:p>
             <a:fld id="{8C792E63-5F21-4F54-A864-D84D9F273FCA}" type="datetimeFigureOut">
               <a:rPr lang="en-US" smtClean="0"/>
-              <a:t>11/3/2023</a:t>
+              <a:t>11/7/2023</a:t>
             </a:fld>
             <a:endParaRPr lang="en-US"/>
           </a:p>
@@ -3877,7 +3877,7 @@
           <a:p>
             <a:fld id="{8C792E63-5F21-4F54-A864-D84D9F273FCA}" type="datetimeFigureOut">
               <a:rPr lang="en-US" smtClean="0"/>
-              <a:t>11/3/2023</a:t>
+              <a:t>11/7/2023</a:t>
             </a:fld>
             <a:endParaRPr lang="en-US"/>
           </a:p>
@@ -4169,7 +4169,7 @@
           <a:p>
             <a:fld id="{8C792E63-5F21-4F54-A864-D84D9F273FCA}" type="datetimeFigureOut">
               <a:rPr lang="en-US" smtClean="0"/>
-              <a:t>11/3/2023</a:t>
+              <a:t>11/7/2023</a:t>
             </a:fld>
             <a:endParaRPr lang="en-US"/>
           </a:p>
@@ -5144,7 +5144,7 @@
             <a:fld id="{8C792E63-5F21-4F54-A864-D84D9F273FCA}" type="datetimeFigureOut">
               <a:rPr lang="en-US" smtClean="0"/>
               <a:pPr/>
-              <a:t>11/3/2023</a:t>
+              <a:t>11/7/2023</a:t>
             </a:fld>
             <a:endParaRPr lang="en-US" dirty="0"/>
           </a:p>
@@ -5737,7 +5737,7 @@
             <a:fld id="{8C792E63-5F21-4F54-A864-D84D9F273FCA}" type="datetimeFigureOut">
               <a:rPr lang="en-US" smtClean="0"/>
               <a:pPr/>
-              <a:t>11/3/2023</a:t>
+              <a:t>11/7/2023</a:t>
             </a:fld>
             <a:endParaRPr lang="en-US" dirty="0"/>
           </a:p>
@@ -5853,7 +5853,19 @@
               <a:rPr lang="en-US" sz="2400" dirty="0">
                 <a:sym typeface="Wingdings" panose="05000000000000000000" pitchFamily="2" charset="2"/>
               </a:rPr>
-              <a:t>Discovery of pledges by a registrar-agent described in two ways:</a:t>
+              <a:t>Discovery of pledges by a registrar-agent using DNS-SD with </a:t>
+            </a:r>
+            <a:r>
+              <a:rPr lang="en-US" sz="2400" dirty="0" err="1">
+                <a:sym typeface="Wingdings" panose="05000000000000000000" pitchFamily="2" charset="2"/>
+              </a:rPr>
+              <a:t>mDNS</a:t>
+            </a:r>
+            <a:r>
+              <a:rPr lang="en-US" sz="2400" dirty="0">
+                <a:sym typeface="Wingdings" panose="05000000000000000000" pitchFamily="2" charset="2"/>
+              </a:rPr>
+              <a:t> in two ways:</a:t>
             </a:r>
           </a:p>
           <a:p>
@@ -5931,7 +5943,7 @@
               <a:rPr lang="en-US" sz="2400" dirty="0">
                 <a:sym typeface="Wingdings" panose="05000000000000000000" pitchFamily="2" charset="2"/>
               </a:rPr>
-              <a:t> describes more versatile approach to contain additional info (e.g., manufacturer) to product serial number. </a:t>
+              <a:t> describes more versatile approach to contain additional info (e.g., manufacturer) to product serial number but also to used, e.g., GRASP. </a:t>
             </a:r>
           </a:p>
           <a:p>
@@ -5975,8 +5987,56 @@
                 <a:ea typeface="Calibri" panose="020F0502020204030204" pitchFamily="34" charset="0"/>
                 <a:cs typeface="Arial" panose="020B0604020202020204" pitchFamily="34" charset="0"/>
               </a:rPr>
-              <a:t>by using manufacturer-specific product serial numbers only.  </a:t>
-            </a:r>
+              <a:t>by using manufacturer-specific product serial numbers and DNS-SD with </a:t>
+            </a:r>
+            <a:r>
+              <a:rPr lang="en-US" sz="2400" kern="100" dirty="0" err="1">
+                <a:effectLst/>
+                <a:latin typeface="Calibri" panose="020F0502020204030204" pitchFamily="34" charset="0"/>
+                <a:ea typeface="Calibri" panose="020F0502020204030204" pitchFamily="34" charset="0"/>
+                <a:cs typeface="Arial" panose="020B0604020202020204" pitchFamily="34" charset="0"/>
+              </a:rPr>
+              <a:t>mDNS</a:t>
+            </a:r>
+            <a:r>
+              <a:rPr lang="en-US" sz="2400" kern="100" dirty="0">
+                <a:effectLst/>
+                <a:latin typeface="Calibri" panose="020F0502020204030204" pitchFamily="34" charset="0"/>
+                <a:ea typeface="Calibri" panose="020F0502020204030204" pitchFamily="34" charset="0"/>
+                <a:cs typeface="Arial" panose="020B0604020202020204" pitchFamily="34" charset="0"/>
+              </a:rPr>
+              <a:t> as minimal solution</a:t>
+            </a:r>
+            <a:r>
+              <a:rPr lang="en-US" sz="2400" kern="100" dirty="0">
+                <a:latin typeface="Calibri" panose="020F0502020204030204" pitchFamily="34" charset="0"/>
+                <a:ea typeface="Calibri" panose="020F0502020204030204" pitchFamily="34" charset="0"/>
+                <a:cs typeface="Arial" panose="020B0604020202020204" pitchFamily="34" charset="0"/>
+              </a:rPr>
+              <a:t> to be supported and to refer </a:t>
+            </a:r>
+            <a:r>
+              <a:rPr lang="en-US" sz="2400" kern="100">
+                <a:latin typeface="Calibri" panose="020F0502020204030204" pitchFamily="34" charset="0"/>
+                <a:ea typeface="Calibri" panose="020F0502020204030204" pitchFamily="34" charset="0"/>
+                <a:cs typeface="Arial" panose="020B0604020202020204" pitchFamily="34" charset="0"/>
+              </a:rPr>
+              <a:t>to BRSKI-Discovery </a:t>
+            </a:r>
+            <a:r>
+              <a:rPr lang="en-US" sz="2400" kern="100" dirty="0">
+                <a:latin typeface="Calibri" panose="020F0502020204030204" pitchFamily="34" charset="0"/>
+                <a:ea typeface="Calibri" panose="020F0502020204030204" pitchFamily="34" charset="0"/>
+                <a:cs typeface="Arial" panose="020B0604020202020204" pitchFamily="34" charset="0"/>
+              </a:rPr>
+              <a:t>for enhanced discovery.</a:t>
+            </a:r>
+            <a:endParaRPr lang="en-US" sz="2400" kern="100" dirty="0">
+              <a:effectLst/>
+              <a:latin typeface="Calibri" panose="020F0502020204030204" pitchFamily="34" charset="0"/>
+              <a:ea typeface="Calibri" panose="020F0502020204030204" pitchFamily="34" charset="0"/>
+              <a:cs typeface="Arial" panose="020B0604020202020204" pitchFamily="34" charset="0"/>
+            </a:endParaRPr>
           </a:p>
           <a:p>
             <a:pPr lvl="1">
@@ -5984,15 +6044,7 @@
             </a:pPr>
             <a:r>
               <a:rPr lang="en-US" sz="2000" dirty="0"/>
-              <a:t>Note: May result in false positives (many manufacturer likely </a:t>
-            </a:r>
-            <a:r>
-              <a:rPr lang="en-US" sz="2000"/>
-              <a:t>have serial </a:t>
-            </a:r>
-            <a:r>
-              <a:rPr lang="en-US" sz="2000" dirty="0"/>
-              <a:t>number 001), the registrar-agent can filter through the results, e.g., based on the related </a:t>
+              <a:t>Note: May result in false positives (many manufacturer likely have serial number 001), the registrar-agent can filter through the results, e.g., based on the related </a:t>
             </a:r>
             <a:r>
               <a:rPr lang="en-US" sz="2000" dirty="0" err="1"/>
@@ -6266,7 +6318,7 @@
             <a:fld id="{8C792E63-5F21-4F54-A864-D84D9F273FCA}" type="datetimeFigureOut">
               <a:rPr lang="en-US" smtClean="0"/>
               <a:pPr/>
-              <a:t>11/3/2023</a:t>
+              <a:t>11/7/2023</a:t>
             </a:fld>
             <a:endParaRPr lang="en-US" dirty="0"/>
           </a:p>
@@ -6820,7 +6872,7 @@
             <a:fld id="{8C792E63-5F21-4F54-A864-D84D9F273FCA}" type="datetimeFigureOut">
               <a:rPr lang="en-US" smtClean="0"/>
               <a:pPr/>
-              <a:t>11/3/2023</a:t>
+              <a:t>11/7/2023</a:t>
             </a:fld>
             <a:endParaRPr lang="en-US" dirty="0"/>
           </a:p>
